--- a/doc/draft/OverviewSlide.pptx
+++ b/doc/draft/OverviewSlide.pptx
@@ -288,7 +288,7 @@
           <a:p>
             <a:fld id="{7D49EFB4-D84D-ED45-9D43-8D4BC7BBB0B7}" type="datetimeFigureOut">
               <a:rPr lang="en-US" smtClean="0"/>
-              <a:t>10/1/15</a:t>
+              <a:t>10/2/15</a:t>
             </a:fld>
             <a:endParaRPr lang="en-US"/>
           </a:p>
@@ -458,7 +458,7 @@
           <a:p>
             <a:fld id="{7D49EFB4-D84D-ED45-9D43-8D4BC7BBB0B7}" type="datetimeFigureOut">
               <a:rPr lang="en-US" smtClean="0"/>
-              <a:t>10/1/15</a:t>
+              <a:t>10/2/15</a:t>
             </a:fld>
             <a:endParaRPr lang="en-US"/>
           </a:p>
@@ -638,7 +638,7 @@
           <a:p>
             <a:fld id="{7D49EFB4-D84D-ED45-9D43-8D4BC7BBB0B7}" type="datetimeFigureOut">
               <a:rPr lang="en-US" smtClean="0"/>
-              <a:t>10/1/15</a:t>
+              <a:t>10/2/15</a:t>
             </a:fld>
             <a:endParaRPr lang="en-US"/>
           </a:p>
@@ -808,7 +808,7 @@
           <a:p>
             <a:fld id="{7D49EFB4-D84D-ED45-9D43-8D4BC7BBB0B7}" type="datetimeFigureOut">
               <a:rPr lang="en-US" smtClean="0"/>
-              <a:t>10/1/15</a:t>
+              <a:t>10/2/15</a:t>
             </a:fld>
             <a:endParaRPr lang="en-US"/>
           </a:p>
@@ -1054,7 +1054,7 @@
           <a:p>
             <a:fld id="{7D49EFB4-D84D-ED45-9D43-8D4BC7BBB0B7}" type="datetimeFigureOut">
               <a:rPr lang="en-US" smtClean="0"/>
-              <a:t>10/1/15</a:t>
+              <a:t>10/2/15</a:t>
             </a:fld>
             <a:endParaRPr lang="en-US"/>
           </a:p>
@@ -1342,7 +1342,7 @@
           <a:p>
             <a:fld id="{7D49EFB4-D84D-ED45-9D43-8D4BC7BBB0B7}" type="datetimeFigureOut">
               <a:rPr lang="en-US" smtClean="0"/>
-              <a:t>10/1/15</a:t>
+              <a:t>10/2/15</a:t>
             </a:fld>
             <a:endParaRPr lang="en-US"/>
           </a:p>
@@ -1764,7 +1764,7 @@
           <a:p>
             <a:fld id="{7D49EFB4-D84D-ED45-9D43-8D4BC7BBB0B7}" type="datetimeFigureOut">
               <a:rPr lang="en-US" smtClean="0"/>
-              <a:t>10/1/15</a:t>
+              <a:t>10/2/15</a:t>
             </a:fld>
             <a:endParaRPr lang="en-US"/>
           </a:p>
@@ -1882,7 +1882,7 @@
           <a:p>
             <a:fld id="{7D49EFB4-D84D-ED45-9D43-8D4BC7BBB0B7}" type="datetimeFigureOut">
               <a:rPr lang="en-US" smtClean="0"/>
-              <a:t>10/1/15</a:t>
+              <a:t>10/2/15</a:t>
             </a:fld>
             <a:endParaRPr lang="en-US"/>
           </a:p>
@@ -1977,7 +1977,7 @@
           <a:p>
             <a:fld id="{7D49EFB4-D84D-ED45-9D43-8D4BC7BBB0B7}" type="datetimeFigureOut">
               <a:rPr lang="en-US" smtClean="0"/>
-              <a:t>10/1/15</a:t>
+              <a:t>10/2/15</a:t>
             </a:fld>
             <a:endParaRPr lang="en-US"/>
           </a:p>
@@ -2254,7 +2254,7 @@
           <a:p>
             <a:fld id="{7D49EFB4-D84D-ED45-9D43-8D4BC7BBB0B7}" type="datetimeFigureOut">
               <a:rPr lang="en-US" smtClean="0"/>
-              <a:t>10/1/15</a:t>
+              <a:t>10/2/15</a:t>
             </a:fld>
             <a:endParaRPr lang="en-US"/>
           </a:p>
@@ -2507,7 +2507,7 @@
           <a:p>
             <a:fld id="{7D49EFB4-D84D-ED45-9D43-8D4BC7BBB0B7}" type="datetimeFigureOut">
               <a:rPr lang="en-US" smtClean="0"/>
-              <a:t>10/1/15</a:t>
+              <a:t>10/2/15</a:t>
             </a:fld>
             <a:endParaRPr lang="en-US"/>
           </a:p>
@@ -2720,7 +2720,7 @@
           <a:p>
             <a:fld id="{7D49EFB4-D84D-ED45-9D43-8D4BC7BBB0B7}" type="datetimeFigureOut">
               <a:rPr lang="en-US" smtClean="0"/>
-              <a:t>10/1/15</a:t>
+              <a:t>10/2/15</a:t>
             </a:fld>
             <a:endParaRPr lang="en-US"/>
           </a:p>
@@ -3161,11 +3161,7 @@
             <a:pPr algn="ctr"/>
             <a:r>
               <a:rPr lang="en-US" sz="1200" dirty="0" smtClean="0"/>
-              <a:t>if</a:t>
-            </a:r>
-            <a:r>
-              <a:rPr lang="en-US" sz="1200" dirty="0" smtClean="0"/>
-              <a:t>(…)</a:t>
+              <a:t>if(…)</a:t>
             </a:r>
           </a:p>
         </p:txBody>
@@ -3202,7 +3198,6 @@
               <a:rPr lang="en-US" sz="1200" dirty="0" smtClean="0"/>
               <a:t>new</a:t>
             </a:r>
-            <a:endParaRPr lang="en-US" sz="1200" dirty="0" smtClean="0"/>
           </a:p>
         </p:txBody>
       </p:sp>
@@ -3274,7 +3269,6 @@
               <a:rPr lang="en-US" sz="1200" dirty="0" smtClean="0"/>
               <a:t>return</a:t>
             </a:r>
-            <a:endParaRPr lang="en-US" sz="1200" dirty="0" smtClean="0"/>
           </a:p>
         </p:txBody>
       </p:sp>
@@ -3344,11 +3338,7 @@
             <a:pPr algn="ctr"/>
             <a:r>
               <a:rPr lang="en-US" sz="1200" dirty="0" smtClean="0"/>
-              <a:t>if</a:t>
-            </a:r>
-            <a:r>
-              <a:rPr lang="en-US" sz="1200" dirty="0" smtClean="0"/>
-              <a:t>(…)</a:t>
+              <a:t>if(…)</a:t>
             </a:r>
           </a:p>
         </p:txBody>
@@ -3385,7 +3375,6 @@
               <a:rPr lang="en-US" sz="1200" dirty="0" smtClean="0"/>
               <a:t>new</a:t>
             </a:r>
-            <a:endParaRPr lang="en-US" sz="1200" dirty="0" smtClean="0"/>
           </a:p>
         </p:txBody>
       </p:sp>
@@ -3457,7 +3446,6 @@
               <a:rPr lang="en-US" sz="1200" dirty="0" smtClean="0"/>
               <a:t>return</a:t>
             </a:r>
-            <a:endParaRPr lang="en-US" sz="1200" dirty="0" smtClean="0"/>
           </a:p>
         </p:txBody>
       </p:sp>
@@ -3527,11 +3515,7 @@
             <a:pPr algn="ctr"/>
             <a:r>
               <a:rPr lang="en-US" sz="1200" dirty="0" smtClean="0"/>
-              <a:t>if</a:t>
-            </a:r>
-            <a:r>
-              <a:rPr lang="en-US" sz="1200" dirty="0" smtClean="0"/>
-              <a:t>(…)</a:t>
+              <a:t>if(…)</a:t>
             </a:r>
           </a:p>
         </p:txBody>
@@ -3568,7 +3552,6 @@
               <a:rPr lang="en-US" sz="1200" dirty="0" smtClean="0"/>
               <a:t>new</a:t>
             </a:r>
-            <a:endParaRPr lang="en-US" sz="1200" dirty="0" smtClean="0"/>
           </a:p>
         </p:txBody>
       </p:sp>
@@ -3640,7 +3623,6 @@
               <a:rPr lang="en-US" sz="1200" dirty="0" smtClean="0"/>
               <a:t>return</a:t>
             </a:r>
-            <a:endParaRPr lang="en-US" sz="1200" dirty="0" smtClean="0"/>
           </a:p>
         </p:txBody>
       </p:sp>
@@ -3710,11 +3692,7 @@
             <a:pPr algn="ctr"/>
             <a:r>
               <a:rPr lang="en-US" sz="1200" dirty="0" smtClean="0"/>
-              <a:t>if</a:t>
-            </a:r>
-            <a:r>
-              <a:rPr lang="en-US" sz="1200" dirty="0" smtClean="0"/>
-              <a:t>(…)</a:t>
+              <a:t>if(…)</a:t>
             </a:r>
           </a:p>
         </p:txBody>
@@ -3751,7 +3729,6 @@
               <a:rPr lang="en-US" sz="1200" dirty="0" smtClean="0"/>
               <a:t>new</a:t>
             </a:r>
-            <a:endParaRPr lang="en-US" sz="1200" dirty="0" smtClean="0"/>
           </a:p>
         </p:txBody>
       </p:sp>
@@ -3857,11 +3834,7 @@
             <a:pPr algn="ctr"/>
             <a:r>
               <a:rPr lang="en-US" sz="1200" dirty="0" smtClean="0"/>
-              <a:t>if</a:t>
-            </a:r>
-            <a:r>
-              <a:rPr lang="en-US" sz="1200" dirty="0" smtClean="0"/>
-              <a:t>(…)</a:t>
+              <a:t>if(…)</a:t>
             </a:r>
           </a:p>
         </p:txBody>
@@ -3898,7 +3871,6 @@
               <a:rPr lang="en-US" sz="1200" dirty="0" smtClean="0"/>
               <a:t>new</a:t>
             </a:r>
-            <a:endParaRPr lang="en-US" sz="1200" dirty="0" smtClean="0"/>
           </a:p>
         </p:txBody>
       </p:sp>
@@ -4274,7 +4246,6 @@
               <a:rPr lang="en-US" sz="1200" dirty="0" smtClean="0"/>
               <a:t>return</a:t>
             </a:r>
-            <a:endParaRPr lang="en-US" sz="1200" dirty="0" smtClean="0"/>
           </a:p>
         </p:txBody>
       </p:sp>
@@ -5890,11 +5861,11 @@
           <a:lstStyle/>
           <a:p>
             <a:r>
-              <a:rPr lang="en-US" sz="1200" b="1" i="1" dirty="0"/>
-              <a:t>T</a:t>
-            </a:r>
-            <a:r>
-              <a:rPr lang="en-US" sz="1200" b="1" i="1" baseline="-25000" dirty="0"/>
+              <a:rPr lang="en-US" sz="1200" b="1" i="1" dirty="0" smtClean="0"/>
+              <a:t>t</a:t>
+            </a:r>
+            <a:r>
+              <a:rPr lang="en-US" sz="1200" b="1" i="1" baseline="-25000" dirty="0" smtClean="0"/>
               <a:t>1</a:t>
             </a:r>
             <a:endParaRPr lang="en-US" sz="1200" b="1" i="1" dirty="0"/>
@@ -5967,11 +5938,7 @@
             <a:pPr algn="ctr"/>
             <a:r>
               <a:rPr lang="en-US" sz="1200" dirty="0" smtClean="0"/>
-              <a:t>if</a:t>
-            </a:r>
-            <a:r>
-              <a:rPr lang="en-US" sz="1200" dirty="0" smtClean="0"/>
-              <a:t>(…)</a:t>
+              <a:t>if(…)</a:t>
             </a:r>
           </a:p>
         </p:txBody>
@@ -6008,7 +5975,6 @@
               <a:rPr lang="en-US" sz="1200" dirty="0" smtClean="0"/>
               <a:t>new</a:t>
             </a:r>
-            <a:endParaRPr lang="en-US" sz="1200" dirty="0" smtClean="0"/>
           </a:p>
         </p:txBody>
       </p:sp>
@@ -6080,7 +6046,6 @@
               <a:rPr lang="en-US" sz="1200" dirty="0" smtClean="0"/>
               <a:t>return</a:t>
             </a:r>
-            <a:endParaRPr lang="en-US" sz="1200" dirty="0" smtClean="0"/>
           </a:p>
         </p:txBody>
       </p:sp>
@@ -6448,11 +6413,11 @@
           <a:lstStyle/>
           <a:p>
             <a:r>
-              <a:rPr lang="en-US" sz="1200" b="1" i="1" dirty="0"/>
-              <a:t>T</a:t>
-            </a:r>
-            <a:r>
-              <a:rPr lang="en-US" sz="1200" b="1" i="1" baseline="-25000" dirty="0"/>
+              <a:rPr lang="en-US" sz="1200" b="1" i="1" dirty="0" smtClean="0"/>
+              <a:t>t</a:t>
+            </a:r>
+            <a:r>
+              <a:rPr lang="en-US" sz="1200" b="1" i="1" baseline="-25000" dirty="0" smtClean="0"/>
               <a:t>1</a:t>
             </a:r>
             <a:endParaRPr lang="en-US" sz="1200" b="1" i="1" dirty="0"/>
@@ -6525,11 +6490,7 @@
             <a:pPr algn="ctr"/>
             <a:r>
               <a:rPr lang="en-US" sz="1200" dirty="0" smtClean="0"/>
-              <a:t>if</a:t>
-            </a:r>
-            <a:r>
-              <a:rPr lang="en-US" sz="1200" dirty="0" smtClean="0"/>
-              <a:t>(…)</a:t>
+              <a:t>if(…)</a:t>
             </a:r>
           </a:p>
         </p:txBody>
@@ -6566,7 +6527,6 @@
               <a:rPr lang="en-US" sz="1200" dirty="0" smtClean="0"/>
               <a:t>new</a:t>
             </a:r>
-            <a:endParaRPr lang="en-US" sz="1200" dirty="0" smtClean="0"/>
           </a:p>
         </p:txBody>
       </p:sp>
@@ -6638,7 +6598,6 @@
               <a:rPr lang="en-US" sz="1200" dirty="0" smtClean="0"/>
               <a:t>return</a:t>
             </a:r>
-            <a:endParaRPr lang="en-US" sz="1200" dirty="0" smtClean="0"/>
           </a:p>
         </p:txBody>
       </p:sp>
@@ -7006,11 +6965,11 @@
           <a:lstStyle/>
           <a:p>
             <a:r>
-              <a:rPr lang="en-US" sz="1200" b="1" i="1" dirty="0"/>
-              <a:t>T</a:t>
-            </a:r>
-            <a:r>
-              <a:rPr lang="en-US" sz="1200" b="1" i="1" baseline="-25000" dirty="0"/>
+              <a:rPr lang="en-US" sz="1200" b="1" i="1" dirty="0" smtClean="0"/>
+              <a:t>t</a:t>
+            </a:r>
+            <a:r>
+              <a:rPr lang="en-US" sz="1200" b="1" i="1" baseline="-25000" dirty="0" smtClean="0"/>
               <a:t>1</a:t>
             </a:r>
             <a:endParaRPr lang="en-US" sz="1200" b="1" i="1" dirty="0"/>
@@ -7044,11 +7003,11 @@
           <a:lstStyle/>
           <a:p>
             <a:r>
-              <a:rPr lang="en-US" sz="1200" b="1" i="1" dirty="0" smtClean="0"/>
-              <a:t>T</a:t>
-            </a:r>
-            <a:r>
-              <a:rPr lang="en-US" sz="1200" b="1" i="1" baseline="-25000" dirty="0" smtClean="0"/>
+              <a:rPr lang="en-US" sz="1200" b="1" i="1" smtClean="0"/>
+              <a:t>t</a:t>
+            </a:r>
+            <a:r>
+              <a:rPr lang="en-US" sz="1200" b="1" i="1" baseline="-25000" smtClean="0"/>
               <a:t>2</a:t>
             </a:r>
             <a:endParaRPr lang="en-US" sz="1200" b="1" i="1" dirty="0"/>
@@ -7083,7 +7042,7 @@
           <a:p>
             <a:r>
               <a:rPr lang="en-US" sz="1200" b="1" i="1" dirty="0" smtClean="0"/>
-              <a:t>T</a:t>
+              <a:t>t</a:t>
             </a:r>
             <a:r>
               <a:rPr lang="en-US" sz="1200" b="1" i="1" baseline="-25000" dirty="0" smtClean="0"/>
@@ -7121,7 +7080,7 @@
           <a:p>
             <a:r>
               <a:rPr lang="en-US" sz="1200" b="1" i="1" dirty="0" smtClean="0"/>
-              <a:t>T</a:t>
+              <a:t>t</a:t>
             </a:r>
             <a:r>
               <a:rPr lang="en-US" sz="1200" b="1" i="1" baseline="-25000" dirty="0" smtClean="0"/>

--- a/doc/draft/OverviewSlide.pptx
+++ b/doc/draft/OverviewSlide.pptx
@@ -288,7 +288,7 @@
           <a:p>
             <a:fld id="{7D49EFB4-D84D-ED45-9D43-8D4BC7BBB0B7}" type="datetimeFigureOut">
               <a:rPr lang="en-US" smtClean="0"/>
-              <a:t>10/2/15</a:t>
+              <a:t>11/16/15</a:t>
             </a:fld>
             <a:endParaRPr lang="en-US"/>
           </a:p>
@@ -458,7 +458,7 @@
           <a:p>
             <a:fld id="{7D49EFB4-D84D-ED45-9D43-8D4BC7BBB0B7}" type="datetimeFigureOut">
               <a:rPr lang="en-US" smtClean="0"/>
-              <a:t>10/2/15</a:t>
+              <a:t>11/16/15</a:t>
             </a:fld>
             <a:endParaRPr lang="en-US"/>
           </a:p>
@@ -638,7 +638,7 @@
           <a:p>
             <a:fld id="{7D49EFB4-D84D-ED45-9D43-8D4BC7BBB0B7}" type="datetimeFigureOut">
               <a:rPr lang="en-US" smtClean="0"/>
-              <a:t>10/2/15</a:t>
+              <a:t>11/16/15</a:t>
             </a:fld>
             <a:endParaRPr lang="en-US"/>
           </a:p>
@@ -808,7 +808,7 @@
           <a:p>
             <a:fld id="{7D49EFB4-D84D-ED45-9D43-8D4BC7BBB0B7}" type="datetimeFigureOut">
               <a:rPr lang="en-US" smtClean="0"/>
-              <a:t>10/2/15</a:t>
+              <a:t>11/16/15</a:t>
             </a:fld>
             <a:endParaRPr lang="en-US"/>
           </a:p>
@@ -1054,7 +1054,7 @@
           <a:p>
             <a:fld id="{7D49EFB4-D84D-ED45-9D43-8D4BC7BBB0B7}" type="datetimeFigureOut">
               <a:rPr lang="en-US" smtClean="0"/>
-              <a:t>10/2/15</a:t>
+              <a:t>11/16/15</a:t>
             </a:fld>
             <a:endParaRPr lang="en-US"/>
           </a:p>
@@ -1342,7 +1342,7 @@
           <a:p>
             <a:fld id="{7D49EFB4-D84D-ED45-9D43-8D4BC7BBB0B7}" type="datetimeFigureOut">
               <a:rPr lang="en-US" smtClean="0"/>
-              <a:t>10/2/15</a:t>
+              <a:t>11/16/15</a:t>
             </a:fld>
             <a:endParaRPr lang="en-US"/>
           </a:p>
@@ -1764,7 +1764,7 @@
           <a:p>
             <a:fld id="{7D49EFB4-D84D-ED45-9D43-8D4BC7BBB0B7}" type="datetimeFigureOut">
               <a:rPr lang="en-US" smtClean="0"/>
-              <a:t>10/2/15</a:t>
+              <a:t>11/16/15</a:t>
             </a:fld>
             <a:endParaRPr lang="en-US"/>
           </a:p>
@@ -1882,7 +1882,7 @@
           <a:p>
             <a:fld id="{7D49EFB4-D84D-ED45-9D43-8D4BC7BBB0B7}" type="datetimeFigureOut">
               <a:rPr lang="en-US" smtClean="0"/>
-              <a:t>10/2/15</a:t>
+              <a:t>11/16/15</a:t>
             </a:fld>
             <a:endParaRPr lang="en-US"/>
           </a:p>
@@ -1977,7 +1977,7 @@
           <a:p>
             <a:fld id="{7D49EFB4-D84D-ED45-9D43-8D4BC7BBB0B7}" type="datetimeFigureOut">
               <a:rPr lang="en-US" smtClean="0"/>
-              <a:t>10/2/15</a:t>
+              <a:t>11/16/15</a:t>
             </a:fld>
             <a:endParaRPr lang="en-US"/>
           </a:p>
@@ -2254,7 +2254,7 @@
           <a:p>
             <a:fld id="{7D49EFB4-D84D-ED45-9D43-8D4BC7BBB0B7}" type="datetimeFigureOut">
               <a:rPr lang="en-US" smtClean="0"/>
-              <a:t>10/2/15</a:t>
+              <a:t>11/16/15</a:t>
             </a:fld>
             <a:endParaRPr lang="en-US"/>
           </a:p>
@@ -2507,7 +2507,7 @@
           <a:p>
             <a:fld id="{7D49EFB4-D84D-ED45-9D43-8D4BC7BBB0B7}" type="datetimeFigureOut">
               <a:rPr lang="en-US" smtClean="0"/>
-              <a:t>10/2/15</a:t>
+              <a:t>11/16/15</a:t>
             </a:fld>
             <a:endParaRPr lang="en-US"/>
           </a:p>
@@ -2720,7 +2720,7 @@
           <a:p>
             <a:fld id="{7D49EFB4-D84D-ED45-9D43-8D4BC7BBB0B7}" type="datetimeFigureOut">
               <a:rPr lang="en-US" smtClean="0"/>
-              <a:t>10/2/15</a:t>
+              <a:t>11/16/15</a:t>
             </a:fld>
             <a:endParaRPr lang="en-US"/>
           </a:p>
@@ -4222,7 +4222,7 @@
         </p:nvSpPr>
         <p:spPr>
           <a:xfrm>
-            <a:off x="4617692" y="2555098"/>
+            <a:off x="4781048" y="2552201"/>
             <a:ext cx="831853" cy="276999"/>
           </a:xfrm>
           <a:prstGeom prst="rect">
@@ -5335,8 +5335,8 @@
         </p:nvCxnSpPr>
         <p:spPr>
           <a:xfrm flipH="1">
-            <a:off x="4020944" y="2693598"/>
-            <a:ext cx="596748" cy="283"/>
+            <a:off x="4020944" y="2690701"/>
+            <a:ext cx="760104" cy="3180"/>
           </a:xfrm>
           <a:prstGeom prst="line">
             <a:avLst/>
@@ -5522,7 +5522,7 @@
         </p:nvCxnSpPr>
         <p:spPr>
           <a:xfrm flipV="1">
-            <a:off x="5033619" y="2485030"/>
+            <a:off x="5196975" y="2482133"/>
             <a:ext cx="0" cy="70068"/>
           </a:xfrm>
           <a:prstGeom prst="line">
@@ -5705,8 +5705,8 @@
         </p:nvSpPr>
         <p:spPr>
           <a:xfrm>
-            <a:off x="4126028" y="2584952"/>
-            <a:ext cx="402162" cy="215444"/>
+            <a:off x="4161552" y="2584952"/>
+            <a:ext cx="471890" cy="215444"/>
           </a:xfrm>
           <a:prstGeom prst="rect">
             <a:avLst/>
@@ -5729,7 +5729,7 @@
             <a:pPr algn="ctr"/>
             <a:r>
               <a:rPr lang="en-US" sz="800" b="1" i="1" dirty="0" smtClean="0"/>
-              <a:t>warp</a:t>
+              <a:t>correct</a:t>
             </a:r>
             <a:endParaRPr lang="en-US" sz="800" b="1" i="1" dirty="0"/>
           </a:p>
@@ -5829,8 +5829,9 @@
             <a:pPr algn="r"/>
             <a:r>
               <a:rPr lang="en-US" b="1" i="1" dirty="0" smtClean="0"/>
-              <a:t>warping</a:t>
-            </a:r>
+              <a:t>corrective</a:t>
+            </a:r>
+            <a:endParaRPr lang="en-US" b="1" i="1" dirty="0" smtClean="0"/>
           </a:p>
         </p:txBody>
       </p:sp>
